--- a/DesignPatternCommand/Slide/ApresentacaoCommand.pptx
+++ b/DesignPatternCommand/Slide/ApresentacaoCommand.pptx
@@ -224,7 +224,7 @@
             <a:fld id="{D4FBF263-DEC6-4A9D-8C97-B85A8CB8C50E}" type="datetime1">
               <a:rPr lang="pt-BR" smtClean="0"/>
               <a:pPr algn="r" rtl="0"/>
-              <a:t>30/05/2024</a:t>
+              <a:t>31/05/2024</a:t>
             </a:fld>
             <a:endParaRPr lang="pt-BR" dirty="0"/>
           </a:p>
@@ -394,7 +394,7 @@
             <a:fld id="{8C123CB6-8505-484D-AD49-CCA5FF708E8E}" type="datetime1">
               <a:rPr lang="pt-BR" noProof="0" smtClean="0"/>
               <a:pPr/>
-              <a:t>30/05/2024</a:t>
+              <a:t>31/05/2024</a:t>
             </a:fld>
             <a:endParaRPr lang="pt-BR" noProof="0" dirty="0"/>
           </a:p>
@@ -1041,7 +1041,7 @@
             <a:fld id="{332DDEFA-DB5B-4288-BFD4-28EED68507B6}" type="datetime1">
               <a:rPr lang="pt-BR" noProof="0" smtClean="0"/>
               <a:pPr/>
-              <a:t>30/05/2024</a:t>
+              <a:t>31/05/2024</a:t>
             </a:fld>
             <a:endParaRPr lang="pt-BR" noProof="0" dirty="0"/>
           </a:p>
@@ -1233,7 +1233,7 @@
             <a:fld id="{22BFE731-CCCB-4F3F-8490-9D481963C25C}" type="datetime1">
               <a:rPr lang="pt-BR" noProof="0" smtClean="0"/>
               <a:pPr/>
-              <a:t>30/05/2024</a:t>
+              <a:t>31/05/2024</a:t>
             </a:fld>
             <a:endParaRPr lang="pt-BR" noProof="0" dirty="0"/>
           </a:p>
@@ -1419,7 +1419,7 @@
             <a:fld id="{9509B53E-5F46-420C-9FC5-DAEB88ACCC36}" type="datetime1">
               <a:rPr lang="pt-BR" noProof="0" smtClean="0"/>
               <a:pPr/>
-              <a:t>30/05/2024</a:t>
+              <a:t>31/05/2024</a:t>
             </a:fld>
             <a:endParaRPr lang="pt-BR" noProof="0" dirty="0"/>
           </a:p>
@@ -1867,7 +1867,7 @@
             <a:fld id="{E7E64EAC-5602-4386-82F0-40AD884218D6}" type="datetime1">
               <a:rPr lang="pt-BR" noProof="0" smtClean="0"/>
               <a:pPr/>
-              <a:t>30/05/2024</a:t>
+              <a:t>31/05/2024</a:t>
             </a:fld>
             <a:endParaRPr lang="pt-BR" noProof="0" dirty="0"/>
           </a:p>
@@ -2319,7 +2319,7 @@
             <a:fld id="{7A9F0ECE-4690-40DC-8016-3D7B9FECC6A6}" type="datetime1">
               <a:rPr lang="pt-BR" noProof="0" smtClean="0"/>
               <a:pPr/>
-              <a:t>30/05/2024</a:t>
+              <a:t>31/05/2024</a:t>
             </a:fld>
             <a:endParaRPr lang="pt-BR" noProof="0" dirty="0"/>
           </a:p>
@@ -2449,7 +2449,7 @@
             <a:fld id="{7D2E0B61-5964-4D91-A168-D7CB792A2B2D}" type="datetime1">
               <a:rPr lang="pt-BR" noProof="0" smtClean="0"/>
               <a:pPr/>
-              <a:t>30/05/2024</a:t>
+              <a:t>31/05/2024</a:t>
             </a:fld>
             <a:endParaRPr lang="pt-BR" noProof="0" dirty="0"/>
           </a:p>
@@ -2551,7 +2551,7 @@
             <a:fld id="{14555902-7965-4B4C-B9FC-820C063D4756}" type="datetime1">
               <a:rPr lang="pt-BR" noProof="0" smtClean="0"/>
               <a:pPr/>
-              <a:t>30/05/2024</a:t>
+              <a:t>31/05/2024</a:t>
             </a:fld>
             <a:endParaRPr lang="pt-BR" noProof="0" dirty="0"/>
           </a:p>
@@ -2843,7 +2843,7 @@
             <a:fld id="{297EB872-3A44-4095-8573-160D8312FA73}" type="datetime1">
               <a:rPr lang="pt-BR" noProof="0" smtClean="0"/>
               <a:pPr/>
-              <a:t>30/05/2024</a:t>
+              <a:t>31/05/2024</a:t>
             </a:fld>
             <a:endParaRPr lang="pt-BR" noProof="0" dirty="0"/>
           </a:p>
@@ -3165,7 +3165,7 @@
             <a:fld id="{550E4E7D-D0A9-4DEE-9266-00B85AF59F3B}" type="datetime1">
               <a:rPr lang="pt-BR" noProof="0" smtClean="0"/>
               <a:pPr/>
-              <a:t>30/05/2024</a:t>
+              <a:t>31/05/2024</a:t>
             </a:fld>
             <a:endParaRPr lang="pt-BR" noProof="0" dirty="0"/>
           </a:p>
@@ -3380,7 +3380,7 @@
             <a:fld id="{E436AF61-35ED-497B-AFBC-44E1662D60CA}" type="datetime1">
               <a:rPr lang="pt-BR" noProof="0" smtClean="0"/>
               <a:pPr/>
-              <a:t>30/05/2024</a:t>
+              <a:t>31/05/2024</a:t>
             </a:fld>
             <a:endParaRPr lang="pt-BR" noProof="0" dirty="0"/>
           </a:p>
@@ -3850,14 +3850,22 @@
             <p:ph type="ctrTitle"/>
           </p:nvPr>
         </p:nvSpPr>
-        <p:spPr/>
+        <p:spPr>
+          <a:xfrm>
+            <a:off x="1066800" y="3241963"/>
+            <a:ext cx="10933856" cy="1711037"/>
+          </a:xfrm>
+        </p:spPr>
         <p:txBody>
           <a:bodyPr rtlCol="0"/>
           <a:lstStyle/>
           <a:p>
             <a:pPr rtl="0"/>
             <a:r>
-              <a:rPr lang="pt-BR" dirty="0"/>
+              <a:rPr lang="pt-BR" b="1" dirty="0">
+                <a:latin typeface="Arial" panose="020B0604020202020204" pitchFamily="34" charset="0"/>
+                <a:cs typeface="Arial" panose="020B0604020202020204" pitchFamily="34" charset="0"/>
+              </a:rPr>
               <a:t>COMMAND – DESIGN PATTERN</a:t>
             </a:r>
           </a:p>
@@ -3873,14 +3881,25 @@
             <p:ph type="subTitle" idx="1"/>
           </p:nvPr>
         </p:nvSpPr>
-        <p:spPr/>
+        <p:spPr>
+          <a:xfrm>
+            <a:off x="1066800" y="5013176"/>
+            <a:ext cx="10058400" cy="685800"/>
+          </a:xfrm>
+        </p:spPr>
         <p:txBody>
           <a:bodyPr rtlCol="0"/>
           <a:lstStyle/>
           <a:p>
             <a:pPr rtl="0"/>
             <a:r>
-              <a:rPr lang="pt-BR" dirty="0"/>
+              <a:rPr lang="pt-BR" dirty="0">
+                <a:solidFill>
+                  <a:schemeClr val="tx1"/>
+                </a:solidFill>
+                <a:latin typeface="Arial" panose="020B0604020202020204" pitchFamily="34" charset="0"/>
+                <a:cs typeface="Arial" panose="020B0604020202020204" pitchFamily="34" charset="0"/>
+              </a:rPr>
               <a:t>Apresentação e exemplo</a:t>
             </a:r>
           </a:p>
@@ -3945,7 +3964,13 @@
           <a:p>
             <a:pPr rtl="0"/>
             <a:r>
-              <a:rPr lang="pt-BR" dirty="0"/>
+              <a:rPr lang="pt-BR" b="1" dirty="0">
+                <a:solidFill>
+                  <a:schemeClr val="tx1"/>
+                </a:solidFill>
+                <a:latin typeface="Arial" panose="020B0604020202020204" pitchFamily="34" charset="0"/>
+                <a:cs typeface="Arial" panose="020B0604020202020204" pitchFamily="34" charset="0"/>
+              </a:rPr>
               <a:t>OBJETIVO</a:t>
             </a:r>
           </a:p>
@@ -3975,7 +4000,11 @@
               <a:buNone/>
             </a:pPr>
             <a:r>
-              <a:rPr lang="pt-BR" dirty="0"/>
+              <a:rPr lang="pt-BR" dirty="0">
+                <a:solidFill>
+                  <a:schemeClr val="tx1"/>
+                </a:solidFill>
+              </a:rPr>
               <a:t>Encapsular uma solicitação (ou comando) como um objeto, o que nos permite parametrizar outros objetos com diferentes solicitações, enfileirar  ou registrar solicitações e implementar recursos de cancelamento de operações;</a:t>
             </a:r>
           </a:p>
@@ -4021,15 +4050,26 @@
             <p:ph type="title"/>
           </p:nvPr>
         </p:nvSpPr>
-        <p:spPr/>
+        <p:spPr>
+          <a:xfrm>
+            <a:off x="1524000" y="0"/>
+            <a:ext cx="9144000" cy="1143000"/>
+          </a:xfrm>
+        </p:spPr>
         <p:txBody>
           <a:bodyPr rtlCol="0"/>
           <a:lstStyle/>
           <a:p>
             <a:pPr rtl="0"/>
             <a:r>
-              <a:rPr lang="pt-BR" dirty="0"/>
-              <a:t>VANTAGENS E DESVANTAGENS</a:t>
+              <a:rPr lang="pt-BR" b="1" dirty="0">
+                <a:solidFill>
+                  <a:schemeClr val="tx1"/>
+                </a:solidFill>
+                <a:latin typeface="Arial" panose="020B0604020202020204" pitchFamily="34" charset="0"/>
+                <a:cs typeface="Arial" panose="020B0604020202020204" pitchFamily="34" charset="0"/>
+              </a:rPr>
+              <a:t>VANTAGENS</a:t>
             </a:r>
           </a:p>
         </p:txBody>
@@ -4050,8 +4090,8 @@
         </p:nvSpPr>
         <p:spPr>
           <a:xfrm>
-            <a:off x="1524000" y="2060848"/>
-            <a:ext cx="9144000" cy="4267200"/>
+            <a:off x="1524000" y="1340768"/>
+            <a:ext cx="9144000" cy="2376264"/>
           </a:xfrm>
           <a:prstGeom prst="rect">
             <a:avLst/>
@@ -4262,65 +4302,190 @@
           </a:lstStyle>
           <a:p>
             <a:r>
-              <a:rPr lang="pt-BR" dirty="0">
+              <a:rPr lang="pt-BR" sz="1600" dirty="0">
                 <a:solidFill>
-                  <a:srgbClr val="92D050"/>
+                  <a:schemeClr val="accent1">
+                    <a:lumMod val="60000"/>
+                    <a:lumOff val="40000"/>
+                  </a:schemeClr>
                 </a:solidFill>
+                <a:latin typeface="Arial" panose="020B0604020202020204" pitchFamily="34" charset="0"/>
+                <a:cs typeface="Arial" panose="020B0604020202020204" pitchFamily="34" charset="0"/>
               </a:rPr>
-              <a:t>Bom nível de desacoplamento entre objetos, separando os que possuem os dados dos que manipulam os dados.</a:t>
-            </a:r>
-          </a:p>
-          <a:p>
-            <a:r>
-              <a:rPr lang="pt-BR" dirty="0">
+              <a:t>Bom nível de desacoplamento entre objetos, separando os que possuem os dados dos que manipulam os dados;</a:t>
+            </a:r>
+          </a:p>
+          <a:p>
+            <a:r>
+              <a:rPr lang="pt-BR" sz="1600" dirty="0">
                 <a:solidFill>
-                  <a:srgbClr val="92D050"/>
+                  <a:schemeClr val="accent1">
+                    <a:lumMod val="60000"/>
+                    <a:lumOff val="40000"/>
+                  </a:schemeClr>
                 </a:solidFill>
+                <a:latin typeface="Arial" panose="020B0604020202020204" pitchFamily="34" charset="0"/>
+                <a:cs typeface="Arial" panose="020B0604020202020204" pitchFamily="34" charset="0"/>
               </a:rPr>
-              <a:t>É possível montar comandos compostos.</a:t>
-            </a:r>
-          </a:p>
-          <a:p>
-            <a:r>
-              <a:rPr lang="pt-BR" dirty="0">
+              <a:t>É possível montar comandos compostos;</a:t>
+            </a:r>
+          </a:p>
+          <a:p>
+            <a:r>
+              <a:rPr lang="pt-BR" sz="1600" dirty="0">
                 <a:solidFill>
-                  <a:srgbClr val="92D050"/>
+                  <a:schemeClr val="accent1">
+                    <a:lumMod val="60000"/>
+                    <a:lumOff val="40000"/>
+                  </a:schemeClr>
                 </a:solidFill>
+                <a:latin typeface="Arial" panose="020B0604020202020204" pitchFamily="34" charset="0"/>
+                <a:cs typeface="Arial" panose="020B0604020202020204" pitchFamily="34" charset="0"/>
               </a:rPr>
-              <a:t>Comandos são objetos de primeira classe, ou seja, podem ser manipulados como qualquer outro objeto</a:t>
-            </a:r>
-          </a:p>
-          <a:p>
+              <a:t>Comandos são objetos de primeira classe, ou seja, podem ser manipulados como qualquer outro objeto.</a:t>
+            </a:r>
+          </a:p>
+          <a:p>
+            <a:pPr marL="0" indent="0">
+              <a:buNone/>
+            </a:pPr>
             <a:endParaRPr lang="pt-BR" dirty="0">
               <a:solidFill>
                 <a:srgbClr val="00B050"/>
               </a:solidFill>
             </a:endParaRPr>
           </a:p>
-          <a:p>
-            <a:r>
-              <a:rPr lang="pt-BR" dirty="0">
+        </p:txBody>
+      </p:sp>
+      <p:sp>
+        <p:nvSpPr>
+          <p:cNvPr id="5" name="CaixaDeTexto 4">
+            <a:extLst>
+              <a:ext uri="{FF2B5EF4-FFF2-40B4-BE49-F238E27FC236}">
+                <a16:creationId xmlns:a16="http://schemas.microsoft.com/office/drawing/2014/main" id="{4DF1D570-7D20-3BC8-A3F3-1728989196F8}"/>
+              </a:ext>
+            </a:extLst>
+          </p:cNvPr>
+          <p:cNvSpPr txBox="1"/>
+          <p:nvPr/>
+        </p:nvSpPr>
+        <p:spPr>
+          <a:xfrm>
+            <a:off x="1524000" y="4509120"/>
+            <a:ext cx="9144000" cy="1077218"/>
+          </a:xfrm>
+          <a:prstGeom prst="rect">
+            <a:avLst/>
+          </a:prstGeom>
+          <a:noFill/>
+        </p:spPr>
+        <p:txBody>
+          <a:bodyPr wrap="square">
+            <a:spAutoFit/>
+          </a:bodyPr>
+          <a:lstStyle/>
+          <a:p>
+            <a:pPr marL="285750" indent="-285750">
+              <a:buFont typeface="Arial" panose="020B0604020202020204" pitchFamily="34" charset="0"/>
+              <a:buChar char="•"/>
+            </a:pPr>
+            <a:r>
+              <a:rPr lang="pt-BR" sz="1600" dirty="0">
                 <a:solidFill>
                   <a:schemeClr val="accent5">
                     <a:lumMod val="60000"/>
                     <a:lumOff val="40000"/>
                   </a:schemeClr>
                 </a:solidFill>
+                <a:latin typeface="Arial" panose="020B0604020202020204" pitchFamily="34" charset="0"/>
+                <a:cs typeface="Arial" panose="020B0604020202020204" pitchFamily="34" charset="0"/>
               </a:rPr>
-              <a:t>A complexidade dos comandos podem crescer demais dependendo da quantidade de ações que ele tiver</a:t>
-            </a:r>
-          </a:p>
-          <a:p>
-            <a:r>
-              <a:rPr lang="pt-BR" dirty="0">
+              <a:t>A complexidade dos comandos podem crescer demais dependendo da quantidade de ações que ele tiver;</a:t>
+            </a:r>
+          </a:p>
+          <a:p>
+            <a:endParaRPr lang="pt-BR" sz="1600" dirty="0">
+              <a:latin typeface="Arial" panose="020B0604020202020204" pitchFamily="34" charset="0"/>
+              <a:cs typeface="Arial" panose="020B0604020202020204" pitchFamily="34" charset="0"/>
+            </a:endParaRPr>
+          </a:p>
+          <a:p>
+            <a:pPr marL="285750" indent="-285750">
+              <a:buFont typeface="Arial" panose="020B0604020202020204" pitchFamily="34" charset="0"/>
+              <a:buChar char="•"/>
+            </a:pPr>
+            <a:r>
+              <a:rPr lang="pt-BR" sz="1600" dirty="0">
                 <a:solidFill>
                   <a:schemeClr val="accent5">
                     <a:lumMod val="60000"/>
                     <a:lumOff val="40000"/>
                   </a:schemeClr>
                 </a:solidFill>
+                <a:latin typeface="Arial" panose="020B0604020202020204" pitchFamily="34" charset="0"/>
+                <a:cs typeface="Arial" panose="020B0604020202020204" pitchFamily="34" charset="0"/>
               </a:rPr>
-              <a:t>A complexidade da aplicação também pode aumentar, devido à criação de várias classes</a:t>
+              <a:t>A complexidade da aplicação também pode aumentar, devido à criação de várias classes.</a:t>
+            </a:r>
+          </a:p>
+        </p:txBody>
+      </p:sp>
+      <p:sp>
+        <p:nvSpPr>
+          <p:cNvPr id="6" name="Título 1">
+            <a:extLst>
+              <a:ext uri="{FF2B5EF4-FFF2-40B4-BE49-F238E27FC236}">
+                <a16:creationId xmlns:a16="http://schemas.microsoft.com/office/drawing/2014/main" id="{92549452-524A-38A3-E9DD-911116DD4F4E}"/>
+              </a:ext>
+            </a:extLst>
+          </p:cNvPr>
+          <p:cNvSpPr txBox="1">
+            <a:spLocks/>
+          </p:cNvSpPr>
+          <p:nvPr/>
+        </p:nvSpPr>
+        <p:spPr>
+          <a:xfrm>
+            <a:off x="1524000" y="3145532"/>
+            <a:ext cx="9144000" cy="1143000"/>
+          </a:xfrm>
+          <a:prstGeom prst="rect">
+            <a:avLst/>
+          </a:prstGeom>
+        </p:spPr>
+        <p:txBody>
+          <a:bodyPr vert="horz" lIns="91440" tIns="45720" rIns="91440" bIns="45720" rtlCol="0" anchor="b">
+            <a:normAutofit/>
+          </a:bodyPr>
+          <a:lstStyle>
+            <a:lvl1pPr algn="l" defTabSz="914400" rtl="0" eaLnBrk="1" latinLnBrk="0" hangingPunct="1">
+              <a:lnSpc>
+                <a:spcPct val="90000"/>
+              </a:lnSpc>
+              <a:spcBef>
+                <a:spcPct val="0"/>
+              </a:spcBef>
+              <a:buNone/>
+              <a:defRPr sz="3400" kern="1200">
+                <a:solidFill>
+                  <a:schemeClr val="accent1"/>
+                </a:solidFill>
+                <a:latin typeface="+mj-lt"/>
+                <a:ea typeface="+mj-ea"/>
+                <a:cs typeface="+mj-cs"/>
+              </a:defRPr>
+            </a:lvl1pPr>
+          </a:lstStyle>
+          <a:p>
+            <a:r>
+              <a:rPr lang="pt-BR" b="1" dirty="0">
+                <a:solidFill>
+                  <a:schemeClr val="tx1"/>
+                </a:solidFill>
+                <a:latin typeface="Arial" panose="020B0604020202020204" pitchFamily="34" charset="0"/>
+                <a:cs typeface="Arial" panose="020B0604020202020204" pitchFamily="34" charset="0"/>
+              </a:rPr>
+              <a:t>DESVANTAGENS</a:t>
             </a:r>
           </a:p>
         </p:txBody>
@@ -4367,8 +4532,8 @@
         </p:nvSpPr>
         <p:spPr>
           <a:xfrm>
-            <a:off x="1524000" y="260648"/>
-            <a:ext cx="9144000" cy="1143000"/>
+            <a:off x="695400" y="332656"/>
+            <a:ext cx="7992888" cy="1143000"/>
           </a:xfrm>
         </p:spPr>
         <p:txBody>
@@ -4377,7 +4542,13 @@
           <a:p>
             <a:pPr algn="ctr" rtl="0"/>
             <a:r>
-              <a:rPr lang="pt-BR" dirty="0"/>
+              <a:rPr lang="pt-BR" b="1" dirty="0">
+                <a:solidFill>
+                  <a:schemeClr val="tx1"/>
+                </a:solidFill>
+                <a:latin typeface="Arial" panose="020B0604020202020204" pitchFamily="34" charset="0"/>
+                <a:cs typeface="Arial" panose="020B0604020202020204" pitchFamily="34" charset="0"/>
+              </a:rPr>
               <a:t>ESTRUTURA DO PADRÃO COMMAND</a:t>
             </a:r>
           </a:p>
@@ -4395,57 +4566,141 @@
         </p:nvSpPr>
         <p:spPr>
           <a:xfrm>
-            <a:off x="164468" y="1988840"/>
-            <a:ext cx="11863064" cy="4270375"/>
+            <a:off x="695400" y="1844824"/>
+            <a:ext cx="9747956" cy="4270375"/>
           </a:xfrm>
         </p:spPr>
         <p:txBody>
-          <a:bodyPr rtlCol="0"/>
+          <a:bodyPr rtlCol="0">
+            <a:normAutofit/>
+          </a:bodyPr>
           <a:lstStyle/>
           <a:p>
             <a:pPr rtl="0"/>
             <a:r>
-              <a:rPr lang="pt-BR" dirty="0"/>
-              <a:t>Invoker – Responsável por armazenar e executar os comandos</a:t>
+              <a:rPr lang="pt-BR" sz="1600" b="1" dirty="0">
+                <a:solidFill>
+                  <a:schemeClr val="tx1"/>
+                </a:solidFill>
+                <a:latin typeface="Arial" panose="020B0604020202020204" pitchFamily="34" charset="0"/>
+                <a:cs typeface="Arial" panose="020B0604020202020204" pitchFamily="34" charset="0"/>
+              </a:rPr>
+              <a:t>Invoker</a:t>
+            </a:r>
+            <a:r>
+              <a:rPr lang="pt-BR" sz="1600" dirty="0">
+                <a:solidFill>
+                  <a:schemeClr val="tx1"/>
+                </a:solidFill>
+                <a:latin typeface="Arial" panose="020B0604020202020204" pitchFamily="34" charset="0"/>
+                <a:cs typeface="Arial" panose="020B0604020202020204" pitchFamily="34" charset="0"/>
+              </a:rPr>
+              <a:t> – Responsável por armazenar e executar os comandos;</a:t>
             </a:r>
           </a:p>
           <a:p>
             <a:pPr marL="0" indent="0" rtl="0">
               <a:buNone/>
             </a:pPr>
-            <a:endParaRPr lang="pt-BR" dirty="0"/>
+            <a:endParaRPr lang="pt-BR" sz="1600" dirty="0">
+              <a:solidFill>
+                <a:schemeClr val="tx1"/>
+              </a:solidFill>
+              <a:latin typeface="Arial" panose="020B0604020202020204" pitchFamily="34" charset="0"/>
+              <a:cs typeface="Arial" panose="020B0604020202020204" pitchFamily="34" charset="0"/>
+            </a:endParaRPr>
           </a:p>
           <a:p>
             <a:pPr rtl="0"/>
             <a:r>
-              <a:rPr lang="pt-BR" dirty="0"/>
-              <a:t>Receiver – É o objeto que realmente executa a ação quando o comando é chamado pelo Invoker</a:t>
+              <a:rPr lang="pt-BR" sz="1600" b="1" dirty="0">
+                <a:solidFill>
+                  <a:schemeClr val="tx1"/>
+                </a:solidFill>
+                <a:latin typeface="Arial" panose="020B0604020202020204" pitchFamily="34" charset="0"/>
+                <a:cs typeface="Arial" panose="020B0604020202020204" pitchFamily="34" charset="0"/>
+              </a:rPr>
+              <a:t>Receiver</a:t>
+            </a:r>
+            <a:r>
+              <a:rPr lang="pt-BR" sz="1600" dirty="0">
+                <a:solidFill>
+                  <a:schemeClr val="tx1"/>
+                </a:solidFill>
+                <a:latin typeface="Arial" panose="020B0604020202020204" pitchFamily="34" charset="0"/>
+                <a:cs typeface="Arial" panose="020B0604020202020204" pitchFamily="34" charset="0"/>
+              </a:rPr>
+              <a:t> – É o objeto que realmente executa a ação quando o comando é chamado pelo Invoker;</a:t>
             </a:r>
           </a:p>
           <a:p>
             <a:pPr marL="0" indent="0" rtl="0">
               <a:buNone/>
             </a:pPr>
-            <a:endParaRPr lang="pt-BR" dirty="0"/>
+            <a:endParaRPr lang="pt-BR" sz="1600" dirty="0">
+              <a:solidFill>
+                <a:schemeClr val="tx1"/>
+              </a:solidFill>
+              <a:latin typeface="Arial" panose="020B0604020202020204" pitchFamily="34" charset="0"/>
+              <a:cs typeface="Arial" panose="020B0604020202020204" pitchFamily="34" charset="0"/>
+            </a:endParaRPr>
           </a:p>
           <a:p>
             <a:pPr rtl="0"/>
             <a:r>
-              <a:rPr lang="pt-BR" dirty="0"/>
-              <a:t>Client – Cria os Concret Commands e configura o Invoker com esses comandos</a:t>
+              <a:rPr lang="pt-BR" sz="1600" b="1" dirty="0">
+                <a:solidFill>
+                  <a:schemeClr val="tx1"/>
+                </a:solidFill>
+                <a:latin typeface="Arial" panose="020B0604020202020204" pitchFamily="34" charset="0"/>
+                <a:cs typeface="Arial" panose="020B0604020202020204" pitchFamily="34" charset="0"/>
+              </a:rPr>
+              <a:t>Client</a:t>
+            </a:r>
+            <a:r>
+              <a:rPr lang="pt-BR" sz="1600" dirty="0">
+                <a:solidFill>
+                  <a:schemeClr val="tx1"/>
+                </a:solidFill>
+                <a:latin typeface="Arial" panose="020B0604020202020204" pitchFamily="34" charset="0"/>
+                <a:cs typeface="Arial" panose="020B0604020202020204" pitchFamily="34" charset="0"/>
+              </a:rPr>
+              <a:t> – Cria os Concret Commands e configura o Invoker com esses comandos;</a:t>
             </a:r>
           </a:p>
           <a:p>
             <a:pPr marL="0" indent="0" rtl="0">
               <a:buNone/>
             </a:pPr>
-            <a:endParaRPr lang="pt-BR" dirty="0"/>
+            <a:endParaRPr lang="pt-BR" sz="1600" dirty="0">
+              <a:solidFill>
+                <a:schemeClr val="tx1"/>
+              </a:solidFill>
+              <a:latin typeface="Arial" panose="020B0604020202020204" pitchFamily="34" charset="0"/>
+              <a:cs typeface="Arial" panose="020B0604020202020204" pitchFamily="34" charset="0"/>
+            </a:endParaRPr>
           </a:p>
           <a:p>
             <a:pPr rtl="0"/>
             <a:r>
-              <a:rPr lang="pt-BR" dirty="0"/>
-              <a:t>Concret Command – Implementa a interface do comando, encapsulando uma solicitação ao Receiver.</a:t>
+              <a:rPr lang="pt-BR" sz="1600" b="1" dirty="0">
+                <a:solidFill>
+                  <a:schemeClr val="tx1"/>
+                </a:solidFill>
+                <a:latin typeface="Arial" panose="020B0604020202020204" pitchFamily="34" charset="0"/>
+                <a:cs typeface="Arial" panose="020B0604020202020204" pitchFamily="34" charset="0"/>
+              </a:rPr>
+              <a:t>Concret Command </a:t>
+            </a:r>
+            <a:r>
+              <a:rPr lang="pt-BR" sz="1600" dirty="0">
+                <a:solidFill>
+                  <a:schemeClr val="tx1"/>
+                </a:solidFill>
+                <a:latin typeface="Arial" panose="020B0604020202020204" pitchFamily="34" charset="0"/>
+                <a:cs typeface="Arial" panose="020B0604020202020204" pitchFamily="34" charset="0"/>
+              </a:rPr>
+              <a:t>– Implementa a interface do comando, encapsulando uma solicitação ao Receiver.</a:t>
             </a:r>
           </a:p>
         </p:txBody>
@@ -4502,7 +4757,13 @@
           <a:p>
             <a:pPr algn="ctr" rtl="0"/>
             <a:r>
-              <a:rPr lang="pt-BR" dirty="0"/>
+              <a:rPr lang="pt-BR" b="1" dirty="0">
+                <a:solidFill>
+                  <a:schemeClr val="tx1"/>
+                </a:solidFill>
+                <a:latin typeface="Arial" panose="020B0604020202020204" pitchFamily="34" charset="0"/>
+                <a:cs typeface="Arial" panose="020B0604020202020204" pitchFamily="34" charset="0"/>
+              </a:rPr>
               <a:t>DIAGRAMA DE FUNCIONAMENTO</a:t>
             </a:r>
           </a:p>
@@ -4510,10 +4771,10 @@
       </p:sp>
       <p:pic>
         <p:nvPicPr>
-          <p:cNvPr id="6" name="Imagem 5">
+          <p:cNvPr id="7" name="Imagem 6" descr="Diagrama&#10;&#10;Descrição gerada automaticamente">
             <a:extLst>
               <a:ext uri="{FF2B5EF4-FFF2-40B4-BE49-F238E27FC236}">
-                <a16:creationId xmlns:a16="http://schemas.microsoft.com/office/drawing/2014/main" id="{19A027F5-D006-905B-5A99-356F9988E209}"/>
+                <a16:creationId xmlns:a16="http://schemas.microsoft.com/office/drawing/2014/main" id="{15020FF1-CAFC-07F6-B61A-B506DC6C9D36}"/>
               </a:ext>
             </a:extLst>
           </p:cNvPr>
@@ -4523,15 +4784,21 @@
           <p:nvPr/>
         </p:nvPicPr>
         <p:blipFill>
-          <a:blip r:embed="rId2"/>
+          <a:blip r:embed="rId2">
+            <a:extLst>
+              <a:ext uri="{28A0092B-C50C-407E-A947-70E740481C1C}">
+                <a14:useLocalDpi xmlns:a14="http://schemas.microsoft.com/office/drawing/2010/main" val="0"/>
+              </a:ext>
+            </a:extLst>
+          </a:blip>
           <a:stretch>
             <a:fillRect/>
           </a:stretch>
         </p:blipFill>
         <p:spPr>
           <a:xfrm>
-            <a:off x="1795248" y="980728"/>
-            <a:ext cx="8601504" cy="5779297"/>
+            <a:off x="1730025" y="1124744"/>
+            <a:ext cx="8731949" cy="5504444"/>
           </a:xfrm>
           <a:prstGeom prst="rect">
             <a:avLst/>
@@ -4590,7 +4857,13 @@
           <a:p>
             <a:pPr algn="ctr" rtl="0"/>
             <a:r>
-              <a:rPr lang="pt-BR" dirty="0"/>
+              <a:rPr lang="pt-BR" b="1" dirty="0">
+                <a:solidFill>
+                  <a:schemeClr val="tx1"/>
+                </a:solidFill>
+                <a:latin typeface="Arial" panose="020B0604020202020204" pitchFamily="34" charset="0"/>
+                <a:cs typeface="Arial" panose="020B0604020202020204" pitchFamily="34" charset="0"/>
+              </a:rPr>
               <a:t>ESTRUTURA NO CÓDIGO</a:t>
             </a:r>
           </a:p>
@@ -4734,34 +5007,6 @@
           <a:chExt cx="0" cy="0"/>
         </a:xfrm>
       </p:grpSpPr>
-      <p:sp>
-        <p:nvSpPr>
-          <p:cNvPr id="2" name="Título 1"/>
-          <p:cNvSpPr>
-            <a:spLocks noGrp="1"/>
-          </p:cNvSpPr>
-          <p:nvPr>
-            <p:ph type="title"/>
-          </p:nvPr>
-        </p:nvSpPr>
-        <p:spPr>
-          <a:xfrm>
-            <a:off x="2941591" y="188640"/>
-            <a:ext cx="6308817" cy="710952"/>
-          </a:xfrm>
-        </p:spPr>
-        <p:txBody>
-          <a:bodyPr rtlCol="0"/>
-          <a:lstStyle/>
-          <a:p>
-            <a:pPr algn="ctr" rtl="0"/>
-            <a:r>
-              <a:rPr lang="pt-BR" dirty="0"/>
-              <a:t>ESTRUTURA NO CÓDIGO</a:t>
-            </a:r>
-          </a:p>
-        </p:txBody>
-      </p:sp>
       <p:pic>
         <p:nvPicPr>
           <p:cNvPr id="4" name="Imagem 3" descr="Texto&#10;&#10;Descrição gerada automaticamente">
@@ -4834,6 +5079,67 @@
           </a:prstGeom>
         </p:spPr>
       </p:pic>
+      <p:sp>
+        <p:nvSpPr>
+          <p:cNvPr id="3" name="Título 1">
+            <a:extLst>
+              <a:ext uri="{FF2B5EF4-FFF2-40B4-BE49-F238E27FC236}">
+                <a16:creationId xmlns:a16="http://schemas.microsoft.com/office/drawing/2014/main" id="{88AF13ED-DDCB-E577-DBEB-B34AB3E2E44C}"/>
+              </a:ext>
+            </a:extLst>
+          </p:cNvPr>
+          <p:cNvSpPr txBox="1">
+            <a:spLocks/>
+          </p:cNvSpPr>
+          <p:nvPr/>
+        </p:nvSpPr>
+        <p:spPr>
+          <a:xfrm>
+            <a:off x="3093991" y="341040"/>
+            <a:ext cx="6308817" cy="710952"/>
+          </a:xfrm>
+          <a:prstGeom prst="rect">
+            <a:avLst/>
+          </a:prstGeom>
+        </p:spPr>
+        <p:txBody>
+          <a:bodyPr vert="horz" lIns="91440" tIns="45720" rIns="91440" bIns="45720" rtlCol="0" anchor="b">
+            <a:normAutofit/>
+          </a:bodyPr>
+          <a:lstStyle>
+            <a:lvl1pPr algn="l" defTabSz="914400" rtl="0" eaLnBrk="1" latinLnBrk="0" hangingPunct="1">
+              <a:lnSpc>
+                <a:spcPct val="90000"/>
+              </a:lnSpc>
+              <a:spcBef>
+                <a:spcPct val="0"/>
+              </a:spcBef>
+              <a:buNone/>
+              <a:defRPr sz="3400" kern="1200">
+                <a:solidFill>
+                  <a:schemeClr val="accent1"/>
+                </a:solidFill>
+                <a:latin typeface="+mj-lt"/>
+                <a:ea typeface="+mj-ea"/>
+                <a:cs typeface="+mj-cs"/>
+              </a:defRPr>
+            </a:lvl1pPr>
+          </a:lstStyle>
+          <a:p>
+            <a:pPr algn="ctr"/>
+            <a:r>
+              <a:rPr lang="pt-BR" b="1" dirty="0">
+                <a:solidFill>
+                  <a:schemeClr val="tx1"/>
+                </a:solidFill>
+                <a:latin typeface="Arial" panose="020B0604020202020204" pitchFamily="34" charset="0"/>
+                <a:cs typeface="Arial" panose="020B0604020202020204" pitchFamily="34" charset="0"/>
+              </a:rPr>
+              <a:t>ESTRUTURA NO CÓDIGO</a:t>
+            </a:r>
+          </a:p>
+        </p:txBody>
+      </p:sp>
     </p:spTree>
     <p:extLst>
       <p:ext uri="{BB962C8B-B14F-4D97-AF65-F5344CB8AC3E}">
@@ -4884,9 +5190,15 @@
           <a:bodyPr rtlCol="0"/>
           <a:lstStyle/>
           <a:p>
-            <a:pPr algn="ctr" rtl="0"/>
-            <a:r>
-              <a:rPr lang="pt-BR" dirty="0"/>
+            <a:pPr algn="ctr"/>
+            <a:r>
+              <a:rPr lang="pt-BR" b="1" dirty="0">
+                <a:solidFill>
+                  <a:schemeClr val="tx1"/>
+                </a:solidFill>
+                <a:latin typeface="Arial" panose="020B0604020202020204" pitchFamily="34" charset="0"/>
+                <a:cs typeface="Arial" panose="020B0604020202020204" pitchFamily="34" charset="0"/>
+              </a:rPr>
               <a:t>ESTRUTURA NO CÓDIGO</a:t>
             </a:r>
           </a:p>
@@ -5725,6 +6037,15 @@
 </file>
 
 <file path=customXml/item1.xml><?xml version="1.0" encoding="utf-8"?>
+<?mso-contentType ?>
+<FormTemplates xmlns="http://schemas.microsoft.com/sharepoint/v3/contenttype/forms">
+  <Display>DocumentLibraryForm</Display>
+  <Edit>AssetEditForm</Edit>
+  <New>DocumentLibraryForm</New>
+</FormTemplates>
+</file>
+
+<file path=customXml/item2.xml><?xml version="1.0" encoding="utf-8"?>
 <p:properties xmlns:p="http://schemas.microsoft.com/office/2006/metadata/properties" xmlns:xsi="http://www.w3.org/2001/XMLSchema-instance" xmlns:pc="http://schemas.microsoft.com/office/infopath/2007/PartnerControls">
   <documentManagement>
     <DirectSourceMarket xmlns="4873beb7-5857-4685-be1f-d57550cc96cc" xsi:nil="true"/>
@@ -5848,15 +6169,6 @@
     <LocMarketGroupTiers2 xmlns="4873beb7-5857-4685-be1f-d57550cc96cc" xsi:nil="true"/>
   </documentManagement>
 </p:properties>
-</file>
-
-<file path=customXml/item2.xml><?xml version="1.0" encoding="utf-8"?>
-<?mso-contentType ?>
-<FormTemplates xmlns="http://schemas.microsoft.com/sharepoint/v3/contenttype/forms">
-  <Display>DocumentLibraryForm</Display>
-  <Edit>AssetEditForm</Edit>
-  <New>DocumentLibraryForm</New>
-</FormTemplates>
 </file>
 
 <file path=customXml/item3.xml><?xml version="1.0" encoding="utf-8"?>
@@ -6900,19 +7212,19 @@
 </file>
 
 <file path=customXml/itemProps1.xml><?xml version="1.0" encoding="utf-8"?>
+<ds:datastoreItem xmlns:ds="http://schemas.openxmlformats.org/officeDocument/2006/customXml" ds:itemID="{746CFF6F-D9AA-4BC0-911A-0A1356771912}">
+  <ds:schemaRefs>
+    <ds:schemaRef ds:uri="http://schemas.microsoft.com/sharepoint/v3/contenttype/forms"/>
+  </ds:schemaRefs>
+</ds:datastoreItem>
+</file>
+
+<file path=customXml/itemProps2.xml><?xml version="1.0" encoding="utf-8"?>
 <ds:datastoreItem xmlns:ds="http://schemas.openxmlformats.org/officeDocument/2006/customXml" ds:itemID="{04098515-0C12-46CF-BC7C-69B4A13CD5FA}">
   <ds:schemaRefs>
     <ds:schemaRef ds:uri="http://schemas.microsoft.com/office/2006/metadata/properties"/>
     <ds:schemaRef ds:uri="http://schemas.microsoft.com/office/infopath/2007/PartnerControls"/>
     <ds:schemaRef ds:uri="4873beb7-5857-4685-be1f-d57550cc96cc"/>
-  </ds:schemaRefs>
-</ds:datastoreItem>
-</file>
-
-<file path=customXml/itemProps2.xml><?xml version="1.0" encoding="utf-8"?>
-<ds:datastoreItem xmlns:ds="http://schemas.openxmlformats.org/officeDocument/2006/customXml" ds:itemID="{746CFF6F-D9AA-4BC0-911A-0A1356771912}">
-  <ds:schemaRefs>
-    <ds:schemaRef ds:uri="http://schemas.microsoft.com/sharepoint/v3/contenttype/forms"/>
   </ds:schemaRefs>
 </ds:datastoreItem>
 </file>
